--- a/Case Study.pptx
+++ b/Case Study.pptx
@@ -16,16 +16,18 @@
     <p:sldId id="261" r:id="rId10"/>
     <p:sldId id="262" r:id="rId11"/>
     <p:sldId id="263" r:id="rId12"/>
+    <p:sldId id="264" r:id="rId13"/>
+    <p:sldId id="265" r:id="rId14"/>
   </p:sldIdLst>
   <p:sldSz cy="6858000" cx="12192000"/>
   <p:notesSz cx="6858000" cy="9144000"/>
   <p:embeddedFontLst>
     <p:embeddedFont>
       <p:font typeface="Corbel"/>
-      <p:regular r:id="rId13"/>
-      <p:bold r:id="rId14"/>
-      <p:italic r:id="rId15"/>
-      <p:boldItalic r:id="rId16"/>
+      <p:regular r:id="rId15"/>
+      <p:bold r:id="rId16"/>
+      <p:italic r:id="rId17"/>
+      <p:boldItalic r:id="rId18"/>
     </p:embeddedFont>
   </p:embeddedFontLst>
   <p:defaultTextStyle>
@@ -259,7 +261,7 @@
   </p:defaultTextStyle>
   <p:extLst>
     <p:ext uri="http://customooxmlschemas.google.com/">
-      <go:slidesCustomData xmlns:go="http://customooxmlschemas.google.com/" r:id="rId17" roundtripDataSignature="AMtx7mjIwRY7Awr69RRlqnVoN4ZoBXocNg=="/>
+      <go:slidesCustomData xmlns:go="http://customooxmlschemas.google.com/" r:id="rId19" roundtripDataSignature="AMtx7mgi3OhU0u/lT3N4y2/A1LIqeTY9Jg=="/>
     </p:ext>
   </p:extLst>
 </p:presentation>
@@ -1590,6 +1592,105 @@
 </p:notes>
 </file>
 
+<file path=ppt/notesSlides/notesSlide10.xml><?xml version="1.0" encoding="utf-8"?>
+<p:notes xmlns:a="http://schemas.openxmlformats.org/drawingml/2006/main" xmlns:r="http://schemas.openxmlformats.org/officeDocument/2006/relationships" xmlns:mc="http://schemas.openxmlformats.org/markup-compatibility/2006" xmlns:mv="urn:schemas-microsoft-com:mac:vml" xmlns:p="http://schemas.openxmlformats.org/presentationml/2006/main" xmlns:c="http://schemas.openxmlformats.org/drawingml/2006/chart" xmlns:dgm="http://schemas.openxmlformats.org/drawingml/2006/diagram" xmlns:o="urn:schemas-microsoft-com:office:office" xmlns:v="urn:schemas-microsoft-com:vml" xmlns:pvml="urn:schemas-microsoft-com:office:powerpoint" xmlns:com="http://schemas.openxmlformats.org/drawingml/2006/compatibility" xmlns:p14="http://schemas.microsoft.com/office/powerpoint/2010/main" xmlns:p15="http://schemas.microsoft.com/office/powerpoint/2012/main" xmlns:ahyp="http://schemas.microsoft.com/office/drawing/2018/hyperlinkcolor" showMasterPhAnim="0" showMasterSp="0">
+  <p:cSld>
+    <p:spTree>
+      <p:nvGrpSpPr>
+        <p:cNvPr id="145" name="Shape 145"/>
+        <p:cNvGrpSpPr/>
+        <p:nvPr/>
+      </p:nvGrpSpPr>
+      <p:grpSpPr>
+        <a:xfrm>
+          <a:off x="0" y="0"/>
+          <a:ext cx="0" cy="0"/>
+          <a:chOff x="0" y="0"/>
+          <a:chExt cx="0" cy="0"/>
+        </a:xfrm>
+      </p:grpSpPr>
+      <p:sp>
+        <p:nvSpPr>
+          <p:cNvPr id="146" name="Google Shape;146;p8:notes"/>
+          <p:cNvSpPr txBox="1"/>
+          <p:nvPr>
+            <p:ph idx="1" type="body"/>
+          </p:nvPr>
+        </p:nvSpPr>
+        <p:spPr>
+          <a:xfrm>
+            <a:off x="685800" y="4400550"/>
+            <a:ext cx="5486400" cy="3600450"/>
+          </a:xfrm>
+          <a:prstGeom prst="rect">
+            <a:avLst/>
+          </a:prstGeom>
+        </p:spPr>
+        <p:txBody>
+          <a:bodyPr anchorCtr="0" anchor="t" bIns="45700" lIns="91425" spcFirstLastPara="1" rIns="91425" wrap="square" tIns="45700">
+            <a:noAutofit/>
+          </a:bodyPr>
+          <a:lstStyle/>
+          <a:p>
+            <a:pPr indent="0" lvl="0" marL="0" rtl="0" algn="l">
+              <a:spcBef>
+                <a:spcPts val="0"/>
+              </a:spcBef>
+              <a:spcAft>
+                <a:spcPts val="0"/>
+              </a:spcAft>
+              <a:buNone/>
+            </a:pPr>
+            <a:r>
+              <a:t/>
+            </a:r>
+            <a:endParaRPr/>
+          </a:p>
+        </p:txBody>
+      </p:sp>
+      <p:sp>
+        <p:nvSpPr>
+          <p:cNvPr id="147" name="Google Shape;147;p8:notes"/>
+          <p:cNvSpPr/>
+          <p:nvPr>
+            <p:ph idx="2" type="sldImg"/>
+          </p:nvPr>
+        </p:nvSpPr>
+        <p:spPr>
+          <a:xfrm>
+            <a:off x="685800" y="1143000"/>
+            <a:ext cx="5486400" cy="3086100"/>
+          </a:xfrm>
+          <a:custGeom>
+            <a:rect b="b" l="l" r="r" t="t"/>
+            <a:pathLst>
+              <a:path extrusionOk="0" h="120000" w="120000">
+                <a:moveTo>
+                  <a:pt x="0" y="0"/>
+                </a:moveTo>
+                <a:lnTo>
+                  <a:pt x="120000" y="0"/>
+                </a:lnTo>
+                <a:lnTo>
+                  <a:pt x="120000" y="120000"/>
+                </a:lnTo>
+                <a:lnTo>
+                  <a:pt x="0" y="120000"/>
+                </a:lnTo>
+                <a:close/>
+              </a:path>
+            </a:pathLst>
+          </a:custGeom>
+        </p:spPr>
+      </p:sp>
+    </p:spTree>
+  </p:cSld>
+  <p:clrMapOvr>
+    <a:masterClrMapping/>
+  </p:clrMapOvr>
+</p:notes>
+</file>
+
 <file path=ppt/notesSlides/notesSlide2.xml><?xml version="1.0" encoding="utf-8"?>
 <p:notes xmlns:a="http://schemas.openxmlformats.org/drawingml/2006/main" xmlns:r="http://schemas.openxmlformats.org/officeDocument/2006/relationships" xmlns:mc="http://schemas.openxmlformats.org/markup-compatibility/2006" xmlns:mv="urn:schemas-microsoft-com:mac:vml" xmlns:p="http://schemas.openxmlformats.org/presentationml/2006/main" xmlns:c="http://schemas.openxmlformats.org/drawingml/2006/chart" xmlns:dgm="http://schemas.openxmlformats.org/drawingml/2006/diagram" xmlns:o="urn:schemas-microsoft-com:office:office" xmlns:v="urn:schemas-microsoft-com:vml" xmlns:pvml="urn:schemas-microsoft-com:office:powerpoint" xmlns:com="http://schemas.openxmlformats.org/drawingml/2006/compatibility" xmlns:p14="http://schemas.microsoft.com/office/powerpoint/2010/main" xmlns:p15="http://schemas.microsoft.com/office/powerpoint/2012/main" xmlns:ahyp="http://schemas.microsoft.com/office/drawing/2018/hyperlinkcolor" showMasterPhAnim="0" showMasterSp="0">
   <p:cSld>
@@ -2104,7 +2205,7 @@
       </p:grpSpPr>
       <p:sp>
         <p:nvSpPr>
-          <p:cNvPr id="128" name="Google Shape;128;g11be9420c9f_0_0:notes"/>
+          <p:cNvPr id="128" name="Google Shape;128;g11be9420c9f_0_14:notes"/>
           <p:cNvSpPr txBox="1"/>
           <p:nvPr>
             <p:ph idx="1" type="body"/>
@@ -2143,7 +2244,7 @@
       </p:sp>
       <p:sp>
         <p:nvSpPr>
-          <p:cNvPr id="129" name="Google Shape;129;g11be9420c9f_0_0:notes"/>
+          <p:cNvPr id="129" name="Google Shape;129;g11be9420c9f_0_14:notes"/>
           <p:cNvSpPr/>
           <p:nvPr>
             <p:ph idx="2" type="sldImg"/>
@@ -2203,7 +2304,7 @@
       </p:grpSpPr>
       <p:sp>
         <p:nvSpPr>
-          <p:cNvPr id="134" name="Google Shape;134;p8:notes"/>
+          <p:cNvPr id="134" name="Google Shape;134;g11be9420c9f_0_20:notes"/>
           <p:cNvSpPr txBox="1"/>
           <p:nvPr>
             <p:ph idx="1" type="body"/>
@@ -2212,7 +2313,7 @@
         <p:spPr>
           <a:xfrm>
             <a:off x="685800" y="4400550"/>
-            <a:ext cx="5486400" cy="3600450"/>
+            <a:ext cx="5486400" cy="3600600"/>
           </a:xfrm>
           <a:prstGeom prst="rect">
             <a:avLst/>
@@ -2242,7 +2343,106 @@
       </p:sp>
       <p:sp>
         <p:nvSpPr>
-          <p:cNvPr id="135" name="Google Shape;135;p8:notes"/>
+          <p:cNvPr id="135" name="Google Shape;135;g11be9420c9f_0_20:notes"/>
+          <p:cNvSpPr/>
+          <p:nvPr>
+            <p:ph idx="2" type="sldImg"/>
+          </p:nvPr>
+        </p:nvSpPr>
+        <p:spPr>
+          <a:xfrm>
+            <a:off x="685800" y="1143000"/>
+            <a:ext cx="5486400" cy="3086100"/>
+          </a:xfrm>
+          <a:custGeom>
+            <a:rect b="b" l="l" r="r" t="t"/>
+            <a:pathLst>
+              <a:path extrusionOk="0" h="120000" w="120000">
+                <a:moveTo>
+                  <a:pt x="0" y="0"/>
+                </a:moveTo>
+                <a:lnTo>
+                  <a:pt x="120000" y="0"/>
+                </a:lnTo>
+                <a:lnTo>
+                  <a:pt x="120000" y="120000"/>
+                </a:lnTo>
+                <a:lnTo>
+                  <a:pt x="0" y="120000"/>
+                </a:lnTo>
+                <a:close/>
+              </a:path>
+            </a:pathLst>
+          </a:custGeom>
+        </p:spPr>
+      </p:sp>
+    </p:spTree>
+  </p:cSld>
+  <p:clrMapOvr>
+    <a:masterClrMapping/>
+  </p:clrMapOvr>
+</p:notes>
+</file>
+
+<file path=ppt/notesSlides/notesSlide9.xml><?xml version="1.0" encoding="utf-8"?>
+<p:notes xmlns:a="http://schemas.openxmlformats.org/drawingml/2006/main" xmlns:r="http://schemas.openxmlformats.org/officeDocument/2006/relationships" xmlns:mc="http://schemas.openxmlformats.org/markup-compatibility/2006" xmlns:mv="urn:schemas-microsoft-com:mac:vml" xmlns:p="http://schemas.openxmlformats.org/presentationml/2006/main" xmlns:c="http://schemas.openxmlformats.org/drawingml/2006/chart" xmlns:dgm="http://schemas.openxmlformats.org/drawingml/2006/diagram" xmlns:o="urn:schemas-microsoft-com:office:office" xmlns:v="urn:schemas-microsoft-com:vml" xmlns:pvml="urn:schemas-microsoft-com:office:powerpoint" xmlns:com="http://schemas.openxmlformats.org/drawingml/2006/compatibility" xmlns:p14="http://schemas.microsoft.com/office/powerpoint/2010/main" xmlns:p15="http://schemas.microsoft.com/office/powerpoint/2012/main" xmlns:ahyp="http://schemas.microsoft.com/office/drawing/2018/hyperlinkcolor" showMasterPhAnim="0" showMasterSp="0">
+  <p:cSld>
+    <p:spTree>
+      <p:nvGrpSpPr>
+        <p:cNvPr id="139" name="Shape 139"/>
+        <p:cNvGrpSpPr/>
+        <p:nvPr/>
+      </p:nvGrpSpPr>
+      <p:grpSpPr>
+        <a:xfrm>
+          <a:off x="0" y="0"/>
+          <a:ext cx="0" cy="0"/>
+          <a:chOff x="0" y="0"/>
+          <a:chExt cx="0" cy="0"/>
+        </a:xfrm>
+      </p:grpSpPr>
+      <p:sp>
+        <p:nvSpPr>
+          <p:cNvPr id="140" name="Google Shape;140;g11be9420c9f_0_0:notes"/>
+          <p:cNvSpPr txBox="1"/>
+          <p:nvPr>
+            <p:ph idx="1" type="body"/>
+          </p:nvPr>
+        </p:nvSpPr>
+        <p:spPr>
+          <a:xfrm>
+            <a:off x="685800" y="4400550"/>
+            <a:ext cx="5486400" cy="3600600"/>
+          </a:xfrm>
+          <a:prstGeom prst="rect">
+            <a:avLst/>
+          </a:prstGeom>
+        </p:spPr>
+        <p:txBody>
+          <a:bodyPr anchorCtr="0" anchor="t" bIns="45700" lIns="91425" spcFirstLastPara="1" rIns="91425" wrap="square" tIns="45700">
+            <a:noAutofit/>
+          </a:bodyPr>
+          <a:lstStyle/>
+          <a:p>
+            <a:pPr indent="0" lvl="0" marL="0" rtl="0" algn="l">
+              <a:spcBef>
+                <a:spcPts val="0"/>
+              </a:spcBef>
+              <a:spcAft>
+                <a:spcPts val="0"/>
+              </a:spcAft>
+              <a:buNone/>
+            </a:pPr>
+            <a:r>
+              <a:t/>
+            </a:r>
+            <a:endParaRPr/>
+          </a:p>
+        </p:txBody>
+      </p:sp>
+      <p:sp>
+        <p:nvSpPr>
+          <p:cNvPr id="141" name="Google Shape;141;g11be9420c9f_0_0:notes"/>
           <p:cNvSpPr/>
           <p:nvPr>
             <p:ph idx="2" type="sldImg"/>
@@ -12515,6 +12715,385 @@
 </p:sld>
 </file>
 
+<file path=ppt/slides/slide10.xml><?xml version="1.0" encoding="utf-8"?>
+<p:sld xmlns:a="http://schemas.openxmlformats.org/drawingml/2006/main" xmlns:r="http://schemas.openxmlformats.org/officeDocument/2006/relationships" xmlns:mc="http://schemas.openxmlformats.org/markup-compatibility/2006" xmlns:mv="urn:schemas-microsoft-com:mac:vml" xmlns:p="http://schemas.openxmlformats.org/presentationml/2006/main" xmlns:c="http://schemas.openxmlformats.org/drawingml/2006/chart" xmlns:dgm="http://schemas.openxmlformats.org/drawingml/2006/diagram" xmlns:o="urn:schemas-microsoft-com:office:office" xmlns:v="urn:schemas-microsoft-com:vml" xmlns:pvml="urn:schemas-microsoft-com:office:powerpoint" xmlns:com="http://schemas.openxmlformats.org/drawingml/2006/compatibility" xmlns:p14="http://schemas.microsoft.com/office/powerpoint/2010/main" xmlns:p15="http://schemas.microsoft.com/office/powerpoint/2012/main" xmlns:ahyp="http://schemas.microsoft.com/office/drawing/2018/hyperlinkcolor">
+  <p:cSld>
+    <p:spTree>
+      <p:nvGrpSpPr>
+        <p:cNvPr id="148" name="Shape 148"/>
+        <p:cNvGrpSpPr/>
+        <p:nvPr/>
+      </p:nvGrpSpPr>
+      <p:grpSpPr>
+        <a:xfrm>
+          <a:off x="0" y="0"/>
+          <a:ext cx="0" cy="0"/>
+          <a:chOff x="0" y="0"/>
+          <a:chExt cx="0" cy="0"/>
+        </a:xfrm>
+      </p:grpSpPr>
+      <p:sp>
+        <p:nvSpPr>
+          <p:cNvPr id="149" name="Google Shape;149;p8"/>
+          <p:cNvSpPr txBox="1"/>
+          <p:nvPr>
+            <p:ph type="ctrTitle"/>
+          </p:nvPr>
+        </p:nvSpPr>
+        <p:spPr>
+          <a:xfrm>
+            <a:off x="1069848" y="1298448"/>
+            <a:ext cx="7315200" cy="3255264"/>
+          </a:xfrm>
+          <a:prstGeom prst="rect">
+            <a:avLst/>
+          </a:prstGeom>
+          <a:noFill/>
+          <a:ln>
+            <a:noFill/>
+          </a:ln>
+        </p:spPr>
+        <p:txBody>
+          <a:bodyPr anchorCtr="0" anchor="ctr" bIns="45700" lIns="91425" spcFirstLastPara="1" rIns="91425" wrap="square" tIns="45700">
+            <a:normAutofit/>
+          </a:bodyPr>
+          <a:lstStyle/>
+          <a:p>
+            <a:pPr indent="0" lvl="0" marL="0" rtl="0" algn="ctr">
+              <a:lnSpc>
+                <a:spcPct val="90000"/>
+              </a:lnSpc>
+              <a:spcBef>
+                <a:spcPts val="0"/>
+              </a:spcBef>
+              <a:spcAft>
+                <a:spcPts val="0"/>
+              </a:spcAft>
+              <a:buClr>
+                <a:srgbClr val="FFFFFF"/>
+              </a:buClr>
+              <a:buSzPts val="5900"/>
+              <a:buFont typeface="Corbel"/>
+              <a:buNone/>
+            </a:pPr>
+            <a:r>
+              <a:rPr lang="en-GB"/>
+              <a:t>Thank  You</a:t>
+            </a:r>
+            <a:endParaRPr/>
+          </a:p>
+        </p:txBody>
+      </p:sp>
+      <p:sp>
+        <p:nvSpPr>
+          <p:cNvPr id="150" name="Google Shape;150;p8"/>
+          <p:cNvSpPr txBox="1"/>
+          <p:nvPr>
+            <p:ph idx="1" type="subTitle"/>
+          </p:nvPr>
+        </p:nvSpPr>
+        <p:spPr>
+          <a:xfrm>
+            <a:off x="1100015" y="4670246"/>
+            <a:ext cx="7315200" cy="914400"/>
+          </a:xfrm>
+          <a:prstGeom prst="rect">
+            <a:avLst/>
+          </a:prstGeom>
+          <a:noFill/>
+          <a:ln>
+            <a:noFill/>
+          </a:ln>
+        </p:spPr>
+        <p:txBody>
+          <a:bodyPr anchorCtr="0" anchor="t" bIns="45700" lIns="91425" spcFirstLastPara="1" rIns="91425" wrap="square" tIns="45700">
+            <a:normAutofit/>
+          </a:bodyPr>
+          <a:lstStyle/>
+          <a:p>
+            <a:pPr indent="0" lvl="0" marL="0" rtl="0" algn="l">
+              <a:lnSpc>
+                <a:spcPct val="90000"/>
+              </a:lnSpc>
+              <a:spcBef>
+                <a:spcPts val="0"/>
+              </a:spcBef>
+              <a:spcAft>
+                <a:spcPts val="0"/>
+              </a:spcAft>
+              <a:buSzPts val="2200"/>
+              <a:buNone/>
+            </a:pPr>
+            <a:r>
+              <a:rPr lang="en-GB"/>
+              <a:t>11-05-2022</a:t>
+            </a:r>
+            <a:endParaRPr/>
+          </a:p>
+          <a:p>
+            <a:pPr indent="0" lvl="0" marL="0" rtl="0" algn="l">
+              <a:lnSpc>
+                <a:spcPct val="90000"/>
+              </a:lnSpc>
+              <a:spcBef>
+                <a:spcPts val="1200"/>
+              </a:spcBef>
+              <a:spcAft>
+                <a:spcPts val="0"/>
+              </a:spcAft>
+              <a:buSzPts val="2200"/>
+              <a:buNone/>
+            </a:pPr>
+            <a:r>
+              <a:rPr lang="en-GB"/>
+              <a:t>IIIT-B - UpGrad</a:t>
+            </a:r>
+            <a:endParaRPr/>
+          </a:p>
+        </p:txBody>
+      </p:sp>
+      <p:sp>
+        <p:nvSpPr>
+          <p:cNvPr id="151" name="Google Shape;151;p8"/>
+          <p:cNvSpPr txBox="1"/>
+          <p:nvPr/>
+        </p:nvSpPr>
+        <p:spPr>
+          <a:xfrm>
+            <a:off x="9390183" y="1071262"/>
+            <a:ext cx="2733432" cy="4480168"/>
+          </a:xfrm>
+          <a:prstGeom prst="rect">
+            <a:avLst/>
+          </a:prstGeom>
+          <a:noFill/>
+          <a:ln>
+            <a:noFill/>
+          </a:ln>
+        </p:spPr>
+        <p:txBody>
+          <a:bodyPr anchorCtr="0" anchor="t" bIns="45700" lIns="91425" spcFirstLastPara="1" rIns="91425" wrap="square" tIns="45700">
+            <a:normAutofit/>
+          </a:bodyPr>
+          <a:lstStyle/>
+          <a:p>
+            <a:pPr indent="0" lvl="0" marL="0" marR="0" rtl="0" algn="l">
+              <a:lnSpc>
+                <a:spcPct val="90000"/>
+              </a:lnSpc>
+              <a:spcBef>
+                <a:spcPts val="0"/>
+              </a:spcBef>
+              <a:spcAft>
+                <a:spcPts val="0"/>
+              </a:spcAft>
+              <a:buClr>
+                <a:schemeClr val="accent1"/>
+              </a:buClr>
+              <a:buSzPts val="2200"/>
+              <a:buFont typeface="Noto Sans Symbols"/>
+              <a:buNone/>
+            </a:pPr>
+            <a:r>
+              <a:rPr b="0" i="0" lang="en-GB" sz="2200" u="none" cap="none" strike="noStrike">
+                <a:solidFill>
+                  <a:srgbClr val="2791A6"/>
+                </a:solidFill>
+                <a:latin typeface="Corbel"/>
+                <a:ea typeface="Corbel"/>
+                <a:cs typeface="Corbel"/>
+                <a:sym typeface="Corbel"/>
+              </a:rPr>
+              <a:t>Driving Factors:</a:t>
+            </a:r>
+            <a:endParaRPr/>
+          </a:p>
+          <a:p>
+            <a:pPr indent="0" lvl="0" marL="0" marR="0" rtl="0" algn="l">
+              <a:lnSpc>
+                <a:spcPct val="90000"/>
+              </a:lnSpc>
+              <a:spcBef>
+                <a:spcPts val="1200"/>
+              </a:spcBef>
+              <a:spcAft>
+                <a:spcPts val="0"/>
+              </a:spcAft>
+              <a:buClr>
+                <a:schemeClr val="accent1"/>
+              </a:buClr>
+              <a:buSzPts val="2200"/>
+              <a:buFont typeface="Noto Sans Symbols"/>
+              <a:buNone/>
+            </a:pPr>
+            <a:r>
+              <a:rPr b="0" i="0" lang="en-GB" sz="2200" u="none" cap="none" strike="noStrike">
+                <a:solidFill>
+                  <a:srgbClr val="2791A6"/>
+                </a:solidFill>
+                <a:latin typeface="Corbel"/>
+                <a:ea typeface="Corbel"/>
+                <a:cs typeface="Corbel"/>
+                <a:sym typeface="Corbel"/>
+              </a:rPr>
+              <a:t>1. Interest rate</a:t>
+            </a:r>
+            <a:endParaRPr/>
+          </a:p>
+          <a:p>
+            <a:pPr indent="0" lvl="0" marL="0" marR="0" rtl="0" algn="l">
+              <a:lnSpc>
+                <a:spcPct val="90000"/>
+              </a:lnSpc>
+              <a:spcBef>
+                <a:spcPts val="1200"/>
+              </a:spcBef>
+              <a:spcAft>
+                <a:spcPts val="0"/>
+              </a:spcAft>
+              <a:buClr>
+                <a:schemeClr val="accent1"/>
+              </a:buClr>
+              <a:buSzPts val="2200"/>
+              <a:buFont typeface="Noto Sans Symbols"/>
+              <a:buNone/>
+            </a:pPr>
+            <a:r>
+              <a:rPr b="0" i="0" lang="en-GB" sz="2200" u="none" cap="none" strike="noStrike">
+                <a:solidFill>
+                  <a:srgbClr val="2791A6"/>
+                </a:solidFill>
+                <a:latin typeface="Corbel"/>
+                <a:ea typeface="Corbel"/>
+                <a:cs typeface="Corbel"/>
+                <a:sym typeface="Corbel"/>
+              </a:rPr>
+              <a:t>2. Purpose</a:t>
+            </a:r>
+            <a:endParaRPr/>
+          </a:p>
+          <a:p>
+            <a:pPr indent="0" lvl="0" marL="0" marR="0" rtl="0" algn="l">
+              <a:lnSpc>
+                <a:spcPct val="90000"/>
+              </a:lnSpc>
+              <a:spcBef>
+                <a:spcPts val="1200"/>
+              </a:spcBef>
+              <a:spcAft>
+                <a:spcPts val="0"/>
+              </a:spcAft>
+              <a:buClr>
+                <a:schemeClr val="accent1"/>
+              </a:buClr>
+              <a:buSzPts val="2200"/>
+              <a:buFont typeface="Noto Sans Symbols"/>
+              <a:buNone/>
+            </a:pPr>
+            <a:r>
+              <a:rPr b="0" i="0" lang="en-GB" sz="2200" u="none" cap="none" strike="noStrike">
+                <a:solidFill>
+                  <a:srgbClr val="2791A6"/>
+                </a:solidFill>
+                <a:latin typeface="Corbel"/>
+                <a:ea typeface="Corbel"/>
+                <a:cs typeface="Corbel"/>
+                <a:sym typeface="Corbel"/>
+              </a:rPr>
+              <a:t>3. Grade</a:t>
+            </a:r>
+            <a:endParaRPr/>
+          </a:p>
+          <a:p>
+            <a:pPr indent="0" lvl="0" marL="0" marR="0" rtl="0" algn="l">
+              <a:lnSpc>
+                <a:spcPct val="90000"/>
+              </a:lnSpc>
+              <a:spcBef>
+                <a:spcPts val="1200"/>
+              </a:spcBef>
+              <a:spcAft>
+                <a:spcPts val="0"/>
+              </a:spcAft>
+              <a:buClr>
+                <a:schemeClr val="accent1"/>
+              </a:buClr>
+              <a:buSzPts val="2200"/>
+              <a:buFont typeface="Noto Sans Symbols"/>
+              <a:buNone/>
+            </a:pPr>
+            <a:r>
+              <a:rPr b="0" i="0" lang="en-GB" sz="2200" u="none" cap="none" strike="noStrike">
+                <a:solidFill>
+                  <a:srgbClr val="2791A6"/>
+                </a:solidFill>
+                <a:latin typeface="Corbel"/>
+                <a:ea typeface="Corbel"/>
+                <a:cs typeface="Corbel"/>
+                <a:sym typeface="Corbel"/>
+              </a:rPr>
+              <a:t>4. Term</a:t>
+            </a:r>
+            <a:endParaRPr b="0" i="0" sz="2200" u="none" cap="none" strike="noStrike">
+              <a:solidFill>
+                <a:srgbClr val="2791A6"/>
+              </a:solidFill>
+              <a:latin typeface="Corbel"/>
+              <a:ea typeface="Corbel"/>
+              <a:cs typeface="Corbel"/>
+              <a:sym typeface="Corbel"/>
+            </a:endParaRPr>
+          </a:p>
+          <a:p>
+            <a:pPr indent="0" lvl="0" marL="0" marR="0" rtl="0" algn="l">
+              <a:lnSpc>
+                <a:spcPct val="90000"/>
+              </a:lnSpc>
+              <a:spcBef>
+                <a:spcPts val="1200"/>
+              </a:spcBef>
+              <a:spcAft>
+                <a:spcPts val="0"/>
+              </a:spcAft>
+              <a:buClr>
+                <a:schemeClr val="accent1"/>
+              </a:buClr>
+              <a:buSzPts val="2200"/>
+              <a:buFont typeface="Noto Sans Symbols"/>
+              <a:buNone/>
+            </a:pPr>
+            <a:r>
+              <a:rPr lang="en-GB" sz="2200">
+                <a:solidFill>
+                  <a:srgbClr val="2791A6"/>
+                </a:solidFill>
+                <a:latin typeface="Corbel"/>
+                <a:ea typeface="Corbel"/>
+                <a:cs typeface="Corbel"/>
+                <a:sym typeface="Corbel"/>
+              </a:rPr>
+              <a:t>5. DTI (Debt to income ratio)</a:t>
+            </a:r>
+            <a:endParaRPr sz="2200">
+              <a:solidFill>
+                <a:srgbClr val="2791A6"/>
+              </a:solidFill>
+              <a:latin typeface="Corbel"/>
+              <a:ea typeface="Corbel"/>
+              <a:cs typeface="Corbel"/>
+              <a:sym typeface="Corbel"/>
+            </a:endParaRPr>
+          </a:p>
+        </p:txBody>
+      </p:sp>
+    </p:spTree>
+  </p:cSld>
+  <p:clrMapOvr>
+    <a:masterClrMapping/>
+  </p:clrMapOvr>
+</p:sld>
+</file>
+
 <file path=ppt/slides/slide2.xml><?xml version="1.0" encoding="utf-8"?>
 <p:sld xmlns:a="http://schemas.openxmlformats.org/drawingml/2006/main" xmlns:r="http://schemas.openxmlformats.org/officeDocument/2006/relationships" xmlns:mc="http://schemas.openxmlformats.org/markup-compatibility/2006" xmlns:mv="urn:schemas-microsoft-com:mac:vml" xmlns:p="http://schemas.openxmlformats.org/presentationml/2006/main" xmlns:c="http://schemas.openxmlformats.org/drawingml/2006/chart" xmlns:dgm="http://schemas.openxmlformats.org/drawingml/2006/diagram" xmlns:o="urn:schemas-microsoft-com:office:office" xmlns:v="urn:schemas-microsoft-com:vml" xmlns:pvml="urn:schemas-microsoft-com:office:powerpoint" xmlns:com="http://schemas.openxmlformats.org/drawingml/2006/compatibility" xmlns:p14="http://schemas.microsoft.com/office/powerpoint/2010/main" xmlns:p15="http://schemas.microsoft.com/office/powerpoint/2012/main" xmlns:ahyp="http://schemas.microsoft.com/office/drawing/2018/hyperlinkcolor">
   <p:cSld>
@@ -13657,7 +14236,7 @@
       </p:grpSpPr>
       <p:sp>
         <p:nvSpPr>
-          <p:cNvPr id="131" name="Google Shape;131;g11be9420c9f_0_0"/>
+          <p:cNvPr id="131" name="Google Shape;131;g11be9420c9f_0_14"/>
           <p:cNvSpPr txBox="1"/>
           <p:nvPr>
             <p:ph type="title"/>
@@ -13665,8 +14244,8 @@
         </p:nvSpPr>
         <p:spPr>
           <a:xfrm>
-            <a:off x="252919" y="1123837"/>
-            <a:ext cx="2947500" cy="4601100"/>
+            <a:off x="-40150" y="879599"/>
+            <a:ext cx="3406500" cy="5137500"/>
           </a:xfrm>
           <a:prstGeom prst="rect">
             <a:avLst/>
@@ -13695,30 +14274,109 @@
               <a:buClr>
                 <a:srgbClr val="FFFFFF"/>
               </a:buClr>
-              <a:buSzPts val="3600"/>
+              <a:buSzPts val="2000"/>
               <a:buFont typeface="Corbel"/>
               <a:buNone/>
             </a:pPr>
             <a:r>
-              <a:rPr lang="en-GB"/>
-              <a:t>Conclusions</a:t>
+              <a:rPr b="1" lang="en-GB" sz="2000"/>
+              <a:t>Driving Factor : </a:t>
+            </a:r>
+            <a:br>
+              <a:rPr b="1" lang="en-GB" sz="2000"/>
+            </a:br>
+            <a:r>
+              <a:rPr lang="en-GB" sz="2000"/>
+              <a:t>DTI (Debt to income ratio)</a:t>
+            </a:r>
+            <a:br>
+              <a:rPr b="1" lang="en-GB" sz="2000"/>
+            </a:br>
+            <a:br>
+              <a:rPr b="1" lang="en-GB" sz="2000"/>
+            </a:br>
+            <a:r>
+              <a:rPr b="1" lang="en-GB" sz="2000"/>
+              <a:t>EDA Type:</a:t>
+            </a:r>
+            <a:br>
+              <a:rPr b="1" lang="en-GB" sz="2000"/>
+            </a:br>
+            <a:r>
+              <a:rPr lang="en-GB" sz="2000"/>
+              <a:t>Bivariate Analysis</a:t>
+            </a:r>
+            <a:br>
+              <a:rPr lang="en-GB" sz="2000"/>
+            </a:br>
+            <a:r>
+              <a:rPr lang="en-GB" sz="2000"/>
+              <a:t>(DTI-Loan status)</a:t>
+            </a:r>
+            <a:br>
+              <a:rPr b="1" lang="en-GB" sz="2000"/>
+            </a:br>
+            <a:br>
+              <a:rPr b="1" lang="en-GB" sz="2000"/>
+            </a:br>
+            <a:r>
+              <a:rPr b="1" lang="en-GB" sz="2000"/>
+              <a:t>Graph Type:</a:t>
+            </a:r>
+            <a:br>
+              <a:rPr b="1" lang="en-GB" sz="2000"/>
+            </a:br>
+            <a:r>
+              <a:rPr lang="en-GB" sz="2000"/>
+              <a:t>Bar Chart - </a:t>
+            </a:r>
+            <a:r>
+              <a:rPr lang="en-GB" sz="2000">
+                <a:solidFill>
+                  <a:schemeClr val="lt1"/>
+                </a:solidFill>
+              </a:rPr>
+              <a:t>Density Plot,  Box Plot</a:t>
+            </a:r>
+            <a:br>
+              <a:rPr b="1" lang="en-GB" sz="2000"/>
+            </a:br>
+            <a:br>
+              <a:rPr b="1" lang="en-GB" sz="2000"/>
+            </a:br>
+            <a:r>
+              <a:rPr b="1" lang="en-GB" sz="2000"/>
+              <a:t>Analysis:</a:t>
+            </a:r>
+            <a:br>
+              <a:rPr b="1" lang="en-GB" sz="2000"/>
+            </a:br>
+            <a:r>
+              <a:rPr lang="en-GB" sz="2000"/>
+              <a:t>In both the plots we can see a shift in charged off data towards higher dti value. Which indicates a higher risk of default as dti increases</a:t>
             </a:r>
             <a:endParaRPr/>
           </a:p>
         </p:txBody>
       </p:sp>
-      <p:sp>
-        <p:nvSpPr>
-          <p:cNvPr id="132" name="Google Shape;132;g11be9420c9f_0_0"/>
-          <p:cNvSpPr txBox="1"/>
-          <p:nvPr>
-            <p:ph idx="1" type="body"/>
-          </p:nvPr>
-        </p:nvSpPr>
+      <p:pic>
+        <p:nvPicPr>
+          <p:cNvPr id="132" name="Google Shape;132;g11be9420c9f_0_14"/>
+          <p:cNvPicPr preferRelativeResize="0"/>
+          <p:nvPr/>
+        </p:nvPicPr>
+        <p:blipFill>
+          <a:blip r:embed="rId3">
+            <a:alphaModFix/>
+          </a:blip>
+          <a:stretch>
+            <a:fillRect/>
+          </a:stretch>
+        </p:blipFill>
         <p:spPr>
           <a:xfrm>
-            <a:off x="3869268" y="785955"/>
-            <a:ext cx="7315200" cy="5198700"/>
+            <a:off x="3504242" y="1085563"/>
+            <a:ext cx="8520857" cy="4189184"/>
           </a:xfrm>
           <a:prstGeom prst="rect">
             <a:avLst/>
@@ -13728,280 +14386,7 @@
             <a:noFill/>
           </a:ln>
         </p:spPr>
-        <p:txBody>
-          <a:bodyPr anchorCtr="0" anchor="t" bIns="45700" lIns="91425" spcFirstLastPara="1" rIns="91425" wrap="square" tIns="45700">
-            <a:noAutofit/>
-          </a:bodyPr>
-          <a:lstStyle/>
-          <a:p>
-            <a:pPr indent="-336550" lvl="0" marL="457200" rtl="0" algn="l">
-              <a:lnSpc>
-                <a:spcPct val="140000"/>
-              </a:lnSpc>
-              <a:spcBef>
-                <a:spcPts val="0"/>
-              </a:spcBef>
-              <a:spcAft>
-                <a:spcPts val="0"/>
-              </a:spcAft>
-              <a:buClr>
-                <a:schemeClr val="dk1"/>
-              </a:buClr>
-              <a:buSzPts val="1700"/>
-              <a:buAutoNum type="arabicPeriod"/>
-            </a:pPr>
-            <a:r>
-              <a:rPr lang="en-GB" sz="1700">
-                <a:solidFill>
-                  <a:schemeClr val="dk1"/>
-                </a:solidFill>
-              </a:rPr>
-              <a:t> A lower annual income suggests higher chance of default.</a:t>
-            </a:r>
-            <a:endParaRPr sz="1700">
-              <a:solidFill>
-                <a:schemeClr val="dk1"/>
-              </a:solidFill>
-            </a:endParaRPr>
-          </a:p>
-          <a:p>
-            <a:pPr indent="-336550" lvl="0" marL="457200" rtl="0" algn="l">
-              <a:lnSpc>
-                <a:spcPct val="140000"/>
-              </a:lnSpc>
-              <a:spcBef>
-                <a:spcPts val="0"/>
-              </a:spcBef>
-              <a:spcAft>
-                <a:spcPts val="0"/>
-              </a:spcAft>
-              <a:buClr>
-                <a:schemeClr val="dk1"/>
-              </a:buClr>
-              <a:buSzPts val="1700"/>
-              <a:buAutoNum type="arabicPeriod"/>
-            </a:pPr>
-            <a:r>
-              <a:rPr lang="en-GB" sz="1700">
-                <a:solidFill>
-                  <a:schemeClr val="dk1"/>
-                </a:solidFill>
-              </a:rPr>
-              <a:t> Higher DTI (debt to income ratio) suggests higher chance of default.</a:t>
-            </a:r>
-            <a:endParaRPr sz="1700">
-              <a:solidFill>
-                <a:schemeClr val="dk1"/>
-              </a:solidFill>
-            </a:endParaRPr>
-          </a:p>
-          <a:p>
-            <a:pPr indent="-336550" lvl="0" marL="457200" rtl="0" algn="l">
-              <a:lnSpc>
-                <a:spcPct val="140000"/>
-              </a:lnSpc>
-              <a:spcBef>
-                <a:spcPts val="0"/>
-              </a:spcBef>
-              <a:spcAft>
-                <a:spcPts val="0"/>
-              </a:spcAft>
-              <a:buClr>
-                <a:schemeClr val="dk1"/>
-              </a:buClr>
-              <a:buSzPts val="1700"/>
-              <a:buAutoNum type="arabicPeriod"/>
-            </a:pPr>
-            <a:r>
-              <a:rPr lang="en-GB" sz="1700">
-                <a:solidFill>
-                  <a:schemeClr val="dk1"/>
-                </a:solidFill>
-              </a:rPr>
-              <a:t> There is an increased chance of default when purpose is small_business</a:t>
-            </a:r>
-            <a:endParaRPr sz="1700">
-              <a:solidFill>
-                <a:schemeClr val="dk1"/>
-              </a:solidFill>
-            </a:endParaRPr>
-          </a:p>
-          <a:p>
-            <a:pPr indent="-336550" lvl="0" marL="457200" rtl="0" algn="l">
-              <a:lnSpc>
-                <a:spcPct val="140000"/>
-              </a:lnSpc>
-              <a:spcBef>
-                <a:spcPts val="0"/>
-              </a:spcBef>
-              <a:spcAft>
-                <a:spcPts val="0"/>
-              </a:spcAft>
-              <a:buClr>
-                <a:schemeClr val="dk1"/>
-              </a:buClr>
-              <a:buSzPts val="1700"/>
-              <a:buAutoNum type="arabicPeriod"/>
-            </a:pPr>
-            <a:r>
-              <a:rPr lang="en-GB" sz="1700">
-                <a:solidFill>
-                  <a:schemeClr val="dk1"/>
-                </a:solidFill>
-              </a:rPr>
-              <a:t> Higher loan amount results in higher chance of default, except when purpose is moving, house or renewable energy</a:t>
-            </a:r>
-            <a:endParaRPr sz="1700">
-              <a:solidFill>
-                <a:schemeClr val="dk1"/>
-              </a:solidFill>
-            </a:endParaRPr>
-          </a:p>
-          <a:p>
-            <a:pPr indent="-336550" lvl="0" marL="457200" rtl="0" algn="l">
-              <a:lnSpc>
-                <a:spcPct val="140000"/>
-              </a:lnSpc>
-              <a:spcBef>
-                <a:spcPts val="0"/>
-              </a:spcBef>
-              <a:spcAft>
-                <a:spcPts val="0"/>
-              </a:spcAft>
-              <a:buClr>
-                <a:schemeClr val="dk1"/>
-              </a:buClr>
-              <a:buSzPts val="1700"/>
-              <a:buAutoNum type="arabicPeriod"/>
-            </a:pPr>
-            <a:r>
-              <a:rPr lang="en-GB" sz="1700">
-                <a:solidFill>
-                  <a:schemeClr val="dk1"/>
-                </a:solidFill>
-              </a:rPr>
-              <a:t>Above annual income of about 90,000 there is a high chance that the loan will be paid off.</a:t>
-            </a:r>
-            <a:endParaRPr sz="1700">
-              <a:solidFill>
-                <a:schemeClr val="dk1"/>
-              </a:solidFill>
-            </a:endParaRPr>
-          </a:p>
-          <a:p>
-            <a:pPr indent="-336550" lvl="0" marL="457200" rtl="0" algn="l">
-              <a:lnSpc>
-                <a:spcPct val="140000"/>
-              </a:lnSpc>
-              <a:spcBef>
-                <a:spcPts val="0"/>
-              </a:spcBef>
-              <a:spcAft>
-                <a:spcPts val="0"/>
-              </a:spcAft>
-              <a:buClr>
-                <a:schemeClr val="dk1"/>
-              </a:buClr>
-              <a:buSzPts val="1700"/>
-              <a:buAutoNum type="arabicPeriod"/>
-            </a:pPr>
-            <a:r>
-              <a:rPr lang="en-GB" sz="1700">
-                <a:solidFill>
-                  <a:schemeClr val="dk1"/>
-                </a:solidFill>
-              </a:rPr>
-              <a:t> There is a good chance of loan repayment when the loan amount is higher than 28000.</a:t>
-            </a:r>
-            <a:endParaRPr sz="1700">
-              <a:solidFill>
-                <a:schemeClr val="dk1"/>
-              </a:solidFill>
-            </a:endParaRPr>
-          </a:p>
-          <a:p>
-            <a:pPr indent="-336550" lvl="0" marL="457200" rtl="0" algn="l">
-              <a:lnSpc>
-                <a:spcPct val="140000"/>
-              </a:lnSpc>
-              <a:spcBef>
-                <a:spcPts val="0"/>
-              </a:spcBef>
-              <a:spcAft>
-                <a:spcPts val="0"/>
-              </a:spcAft>
-              <a:buClr>
-                <a:schemeClr val="dk1"/>
-              </a:buClr>
-              <a:buSzPts val="1700"/>
-              <a:buAutoNum type="arabicPeriod"/>
-            </a:pPr>
-            <a:r>
-              <a:rPr lang="en-GB" sz="1700">
-                <a:solidFill>
-                  <a:schemeClr val="dk1"/>
-                </a:solidFill>
-              </a:rPr>
-              <a:t> When purpose of loan is 'moving', sost number of defaults happen when loan is disbursed between May and September</a:t>
-            </a:r>
-            <a:endParaRPr sz="1700">
-              <a:solidFill>
-                <a:schemeClr val="dk1"/>
-              </a:solidFill>
-            </a:endParaRPr>
-          </a:p>
-          <a:p>
-            <a:pPr indent="0" lvl="0" marL="0" rtl="0" algn="l">
-              <a:lnSpc>
-                <a:spcPct val="80000"/>
-              </a:lnSpc>
-              <a:spcBef>
-                <a:spcPts val="1200"/>
-              </a:spcBef>
-              <a:spcAft>
-                <a:spcPts val="0"/>
-              </a:spcAft>
-              <a:buSzPts val="605"/>
-              <a:buNone/>
-            </a:pPr>
-            <a:r>
-              <a:t/>
-            </a:r>
-            <a:endParaRPr b="1" sz="1400">
-              <a:solidFill>
-                <a:schemeClr val="dk1"/>
-              </a:solidFill>
-            </a:endParaRPr>
-          </a:p>
-          <a:p>
-            <a:pPr indent="0" lvl="0" marL="0" rtl="0" algn="l">
-              <a:lnSpc>
-                <a:spcPct val="80000"/>
-              </a:lnSpc>
-              <a:spcBef>
-                <a:spcPts val="1200"/>
-              </a:spcBef>
-              <a:spcAft>
-                <a:spcPts val="0"/>
-              </a:spcAft>
-              <a:buClr>
-                <a:srgbClr val="000000"/>
-              </a:buClr>
-              <a:buSzPts val="1100"/>
-              <a:buFont typeface="Arial"/>
-              <a:buNone/>
-            </a:pPr>
-            <a:r>
-              <a:t/>
-            </a:r>
-            <a:endParaRPr sz="1400">
-              <a:solidFill>
-                <a:schemeClr val="dk1"/>
-              </a:solidFill>
-            </a:endParaRPr>
-          </a:p>
-        </p:txBody>
-      </p:sp>
+      </p:pic>
     </p:spTree>
   </p:cSld>
   <p:clrMapOvr>
@@ -14029,16 +14414,16 @@
       </p:grpSpPr>
       <p:sp>
         <p:nvSpPr>
-          <p:cNvPr id="137" name="Google Shape;137;p8"/>
+          <p:cNvPr id="137" name="Google Shape;137;g11be9420c9f_0_20"/>
           <p:cNvSpPr txBox="1"/>
           <p:nvPr>
-            <p:ph type="ctrTitle"/>
+            <p:ph type="title"/>
           </p:nvPr>
         </p:nvSpPr>
         <p:spPr>
           <a:xfrm>
-            <a:off x="1069848" y="1298448"/>
-            <a:ext cx="7315200" cy="3255264"/>
+            <a:off x="-40150" y="879600"/>
+            <a:ext cx="3406500" cy="5195400"/>
           </a:xfrm>
           <a:prstGeom prst="rect">
             <a:avLst/>
@@ -14049,12 +14434,12 @@
           </a:ln>
         </p:spPr>
         <p:txBody>
-          <a:bodyPr anchorCtr="0" anchor="ctr" bIns="45700" lIns="91425" spcFirstLastPara="1" rIns="91425" wrap="square" tIns="45700">
-            <a:normAutofit/>
+          <a:bodyPr anchorCtr="0" anchor="t" bIns="45700" lIns="91425" spcFirstLastPara="1" rIns="91425" wrap="square" tIns="45700">
+            <a:normAutofit fontScale="90000"/>
           </a:bodyPr>
           <a:lstStyle/>
           <a:p>
-            <a:pPr indent="0" lvl="0" marL="0" rtl="0" algn="ctr">
+            <a:pPr indent="0" lvl="0" marL="0" rtl="0" algn="l">
               <a:lnSpc>
                 <a:spcPct val="90000"/>
               </a:lnSpc>
@@ -14067,30 +14452,193 @@
               <a:buClr>
                 <a:srgbClr val="FFFFFF"/>
               </a:buClr>
-              <a:buSzPts val="5900"/>
+              <a:buSzPct val="100000"/>
               <a:buFont typeface="Corbel"/>
               <a:buNone/>
             </a:pPr>
             <a:r>
-              <a:rPr lang="en-GB"/>
-              <a:t>Thank  You</a:t>
+              <a:rPr b="1" lang="en-GB" sz="2000"/>
+              <a:t>Driving Factor:</a:t>
             </a:r>
-            <a:endParaRPr/>
+            <a:endParaRPr b="1" sz="2000"/>
+          </a:p>
+          <a:p>
+            <a:pPr indent="0" lvl="0" marL="0" rtl="0" algn="l">
+              <a:lnSpc>
+                <a:spcPct val="90000"/>
+              </a:lnSpc>
+              <a:spcBef>
+                <a:spcPts val="0"/>
+              </a:spcBef>
+              <a:spcAft>
+                <a:spcPts val="0"/>
+              </a:spcAft>
+              <a:buClr>
+                <a:srgbClr val="FFFFFF"/>
+              </a:buClr>
+              <a:buSzPct val="100000"/>
+              <a:buFont typeface="Corbel"/>
+              <a:buNone/>
+            </a:pPr>
+            <a:r>
+              <a:rPr lang="en-GB" sz="2000"/>
+              <a:t>Annual Income and Loan amount</a:t>
+            </a:r>
+            <a:br>
+              <a:rPr b="1" lang="en-GB" sz="2000"/>
+            </a:br>
+            <a:br>
+              <a:rPr b="1" lang="en-GB" sz="2000"/>
+            </a:br>
+            <a:r>
+              <a:rPr b="1" lang="en-GB" sz="2000"/>
+              <a:t>EDA Type:</a:t>
+            </a:r>
+            <a:br>
+              <a:rPr b="1" lang="en-GB" sz="2000"/>
+            </a:br>
+            <a:r>
+              <a:rPr lang="en-GB" sz="2000"/>
+              <a:t>Multivariate</a:t>
+            </a:r>
+            <a:r>
+              <a:rPr lang="en-GB" sz="2000"/>
+              <a:t> Analysis</a:t>
+            </a:r>
+            <a:br>
+              <a:rPr lang="en-GB" sz="2000"/>
+            </a:br>
+            <a:r>
+              <a:rPr lang="en-GB" sz="2000"/>
+              <a:t>(DTI-Loan status)</a:t>
+            </a:r>
+            <a:br>
+              <a:rPr b="1" lang="en-GB" sz="2000"/>
+            </a:br>
+            <a:br>
+              <a:rPr b="1" lang="en-GB" sz="2000"/>
+            </a:br>
+            <a:r>
+              <a:rPr b="1" lang="en-GB" sz="2000"/>
+              <a:t>Graph Type:</a:t>
+            </a:r>
+            <a:br>
+              <a:rPr b="1" lang="en-GB" sz="2000"/>
+            </a:br>
+            <a:r>
+              <a:rPr lang="en-GB" sz="2000"/>
+              <a:t>Contour Plot: Loan Amount, Annual Income in thousands and Loan Status</a:t>
+            </a:r>
+            <a:br>
+              <a:rPr b="1" lang="en-GB" sz="2000"/>
+            </a:br>
+            <a:br>
+              <a:rPr b="1" lang="en-GB" sz="2000"/>
+            </a:br>
+            <a:r>
+              <a:rPr b="1" lang="en-GB" sz="2000"/>
+              <a:t>Analysis:</a:t>
+            </a:r>
+            <a:br>
+              <a:rPr b="1" lang="en-GB" sz="2000"/>
+            </a:br>
+            <a:r>
+              <a:rPr lang="en-GB" sz="2000"/>
+              <a:t>1. Tendency to default is vary low above 90,000</a:t>
+            </a:r>
+            <a:endParaRPr sz="2000"/>
+          </a:p>
+          <a:p>
+            <a:pPr indent="0" lvl="0" marL="0" rtl="0" algn="l">
+              <a:lnSpc>
+                <a:spcPct val="90000"/>
+              </a:lnSpc>
+              <a:spcBef>
+                <a:spcPts val="0"/>
+              </a:spcBef>
+              <a:spcAft>
+                <a:spcPts val="0"/>
+              </a:spcAft>
+              <a:buClr>
+                <a:srgbClr val="FFFFFF"/>
+              </a:buClr>
+              <a:buSzPct val="100000"/>
+              <a:buFont typeface="Corbel"/>
+              <a:buNone/>
+            </a:pPr>
+            <a:r>
+              <a:rPr lang="en-GB" sz="2000"/>
+              <a:t>2. Tendency to default is low when loan amount is larger than 28,000</a:t>
+            </a:r>
+            <a:endParaRPr sz="2000"/>
           </a:p>
         </p:txBody>
       </p:sp>
+      <p:pic>
+        <p:nvPicPr>
+          <p:cNvPr id="138" name="Google Shape;138;g11be9420c9f_0_20"/>
+          <p:cNvPicPr preferRelativeResize="0"/>
+          <p:nvPr/>
+        </p:nvPicPr>
+        <p:blipFill>
+          <a:blip r:embed="rId3">
+            <a:alphaModFix/>
+          </a:blip>
+          <a:stretch>
+            <a:fillRect/>
+          </a:stretch>
+        </p:blipFill>
+        <p:spPr>
+          <a:xfrm>
+            <a:off x="3576725" y="1432374"/>
+            <a:ext cx="8063925" cy="4031949"/>
+          </a:xfrm>
+          <a:prstGeom prst="rect">
+            <a:avLst/>
+          </a:prstGeom>
+          <a:noFill/>
+          <a:ln>
+            <a:noFill/>
+          </a:ln>
+        </p:spPr>
+      </p:pic>
+    </p:spTree>
+  </p:cSld>
+  <p:clrMapOvr>
+    <a:masterClrMapping/>
+  </p:clrMapOvr>
+</p:sld>
+</file>
+
+<file path=ppt/slides/slide9.xml><?xml version="1.0" encoding="utf-8"?>
+<p:sld xmlns:a="http://schemas.openxmlformats.org/drawingml/2006/main" xmlns:r="http://schemas.openxmlformats.org/officeDocument/2006/relationships" xmlns:mc="http://schemas.openxmlformats.org/markup-compatibility/2006" xmlns:mv="urn:schemas-microsoft-com:mac:vml" xmlns:p="http://schemas.openxmlformats.org/presentationml/2006/main" xmlns:c="http://schemas.openxmlformats.org/drawingml/2006/chart" xmlns:dgm="http://schemas.openxmlformats.org/drawingml/2006/diagram" xmlns:o="urn:schemas-microsoft-com:office:office" xmlns:v="urn:schemas-microsoft-com:vml" xmlns:pvml="urn:schemas-microsoft-com:office:powerpoint" xmlns:com="http://schemas.openxmlformats.org/drawingml/2006/compatibility" xmlns:p14="http://schemas.microsoft.com/office/powerpoint/2010/main" xmlns:p15="http://schemas.microsoft.com/office/powerpoint/2012/main" xmlns:ahyp="http://schemas.microsoft.com/office/drawing/2018/hyperlinkcolor">
+  <p:cSld>
+    <p:spTree>
+      <p:nvGrpSpPr>
+        <p:cNvPr id="142" name="Shape 142"/>
+        <p:cNvGrpSpPr/>
+        <p:nvPr/>
+      </p:nvGrpSpPr>
+      <p:grpSpPr>
+        <a:xfrm>
+          <a:off x="0" y="0"/>
+          <a:ext cx="0" cy="0"/>
+          <a:chOff x="0" y="0"/>
+          <a:chExt cx="0" cy="0"/>
+        </a:xfrm>
+      </p:grpSpPr>
       <p:sp>
         <p:nvSpPr>
-          <p:cNvPr id="138" name="Google Shape;138;p8"/>
+          <p:cNvPr id="143" name="Google Shape;143;g11be9420c9f_0_0"/>
           <p:cNvSpPr txBox="1"/>
           <p:nvPr>
-            <p:ph idx="1" type="subTitle"/>
+            <p:ph type="title"/>
           </p:nvPr>
         </p:nvSpPr>
         <p:spPr>
           <a:xfrm>
-            <a:off x="1100015" y="4670246"/>
-            <a:ext cx="7315200" cy="914400"/>
+            <a:off x="252919" y="1123837"/>
+            <a:ext cx="2947500" cy="4601100"/>
           </a:xfrm>
           <a:prstGeom prst="rect">
             <a:avLst/>
@@ -14116,32 +14664,16 @@
               <a:spcAft>
                 <a:spcPts val="0"/>
               </a:spcAft>
-              <a:buSzPts val="2200"/>
+              <a:buClr>
+                <a:srgbClr val="FFFFFF"/>
+              </a:buClr>
+              <a:buSzPts val="3600"/>
+              <a:buFont typeface="Corbel"/>
               <a:buNone/>
             </a:pPr>
             <a:r>
               <a:rPr lang="en-GB"/>
-              <a:t>11-05-2022</a:t>
-            </a:r>
-            <a:endParaRPr/>
-          </a:p>
-          <a:p>
-            <a:pPr indent="0" lvl="0" marL="0" rtl="0" algn="l">
-              <a:lnSpc>
-                <a:spcPct val="90000"/>
-              </a:lnSpc>
-              <a:spcBef>
-                <a:spcPts val="1200"/>
-              </a:spcBef>
-              <a:spcAft>
-                <a:spcPts val="0"/>
-              </a:spcAft>
-              <a:buSzPts val="2200"/>
-              <a:buNone/>
-            </a:pPr>
-            <a:r>
-              <a:rPr lang="en-GB"/>
-              <a:t>IIIT-B - UpGrad</a:t>
+              <a:t>Conclusions</a:t>
             </a:r>
             <a:endParaRPr/>
           </a:p>
@@ -14149,14 +14681,16 @@
       </p:sp>
       <p:sp>
         <p:nvSpPr>
-          <p:cNvPr id="139" name="Google Shape;139;p8"/>
+          <p:cNvPr id="144" name="Google Shape;144;g11be9420c9f_0_0"/>
           <p:cNvSpPr txBox="1"/>
-          <p:nvPr/>
+          <p:nvPr>
+            <p:ph idx="1" type="body"/>
+          </p:nvPr>
         </p:nvSpPr>
         <p:spPr>
           <a:xfrm>
-            <a:off x="9390183" y="1071262"/>
-            <a:ext cx="2733432" cy="4480168"/>
+            <a:off x="3869268" y="785955"/>
+            <a:ext cx="7315200" cy="5198700"/>
           </a:xfrm>
           <a:prstGeom prst="rect">
             <a:avLst/>
@@ -14168,13 +14702,13 @@
         </p:spPr>
         <p:txBody>
           <a:bodyPr anchorCtr="0" anchor="t" bIns="45700" lIns="91425" spcFirstLastPara="1" rIns="91425" wrap="square" tIns="45700">
-            <a:normAutofit/>
+            <a:noAutofit/>
           </a:bodyPr>
           <a:lstStyle/>
           <a:p>
-            <a:pPr indent="0" lvl="0" marL="0" marR="0" rtl="0" algn="l">
-              <a:lnSpc>
-                <a:spcPct val="90000"/>
+            <a:pPr indent="-336550" lvl="0" marL="457200" rtl="0" algn="l">
+              <a:lnSpc>
+                <a:spcPct val="140000"/>
               </a:lnSpc>
               <a:spcBef>
                 <a:spcPts val="0"/>
@@ -14183,200 +14717,259 @@
                 <a:spcPts val="0"/>
               </a:spcAft>
               <a:buClr>
-                <a:schemeClr val="accent1"/>
+                <a:schemeClr val="dk1"/>
               </a:buClr>
-              <a:buSzPts val="2200"/>
-              <a:buFont typeface="Noto Sans Symbols"/>
-              <a:buNone/>
+              <a:buSzPts val="1700"/>
+              <a:buAutoNum type="arabicPeriod"/>
             </a:pPr>
             <a:r>
-              <a:rPr b="0" i="0" lang="en-GB" sz="2200" u="none" cap="none" strike="noStrike">
+              <a:rPr lang="en-GB" sz="1700">
                 <a:solidFill>
-                  <a:srgbClr val="2791A6"/>
+                  <a:schemeClr val="dk1"/>
                 </a:solidFill>
-                <a:latin typeface="Corbel"/>
-                <a:ea typeface="Corbel"/>
-                <a:cs typeface="Corbel"/>
-                <a:sym typeface="Corbel"/>
               </a:rPr>
-              <a:t>Driving Factors:</a:t>
+              <a:t> A lower annual income suggests higher chance of default.</a:t>
             </a:r>
-            <a:endParaRPr/>
-          </a:p>
-          <a:p>
-            <a:pPr indent="0" lvl="0" marL="0" marR="0" rtl="0" algn="l">
-              <a:lnSpc>
-                <a:spcPct val="90000"/>
-              </a:lnSpc>
-              <a:spcBef>
-                <a:spcPts val="1200"/>
-              </a:spcBef>
-              <a:spcAft>
-                <a:spcPts val="0"/>
-              </a:spcAft>
-              <a:buClr>
-                <a:schemeClr val="accent1"/>
-              </a:buClr>
-              <a:buSzPts val="2200"/>
-              <a:buFont typeface="Noto Sans Symbols"/>
-              <a:buNone/>
-            </a:pPr>
-            <a:r>
-              <a:rPr b="0" i="0" lang="en-GB" sz="2200" u="none" cap="none" strike="noStrike">
-                <a:solidFill>
-                  <a:srgbClr val="2791A6"/>
-                </a:solidFill>
-                <a:latin typeface="Corbel"/>
-                <a:ea typeface="Corbel"/>
-                <a:cs typeface="Corbel"/>
-                <a:sym typeface="Corbel"/>
-              </a:rPr>
-              <a:t>1. Interest rate</a:t>
-            </a:r>
-            <a:endParaRPr/>
-          </a:p>
-          <a:p>
-            <a:pPr indent="0" lvl="0" marL="0" marR="0" rtl="0" algn="l">
-              <a:lnSpc>
-                <a:spcPct val="90000"/>
-              </a:lnSpc>
-              <a:spcBef>
-                <a:spcPts val="1200"/>
-              </a:spcBef>
-              <a:spcAft>
-                <a:spcPts val="0"/>
-              </a:spcAft>
-              <a:buClr>
-                <a:schemeClr val="accent1"/>
-              </a:buClr>
-              <a:buSzPts val="2200"/>
-              <a:buFont typeface="Noto Sans Symbols"/>
-              <a:buNone/>
-            </a:pPr>
-            <a:r>
-              <a:rPr b="0" i="0" lang="en-GB" sz="2200" u="none" cap="none" strike="noStrike">
-                <a:solidFill>
-                  <a:srgbClr val="2791A6"/>
-                </a:solidFill>
-                <a:latin typeface="Corbel"/>
-                <a:ea typeface="Corbel"/>
-                <a:cs typeface="Corbel"/>
-                <a:sym typeface="Corbel"/>
-              </a:rPr>
-              <a:t>2. Purpose</a:t>
-            </a:r>
-            <a:endParaRPr/>
-          </a:p>
-          <a:p>
-            <a:pPr indent="0" lvl="0" marL="0" marR="0" rtl="0" algn="l">
-              <a:lnSpc>
-                <a:spcPct val="90000"/>
-              </a:lnSpc>
-              <a:spcBef>
-                <a:spcPts val="1200"/>
-              </a:spcBef>
-              <a:spcAft>
-                <a:spcPts val="0"/>
-              </a:spcAft>
-              <a:buClr>
-                <a:schemeClr val="accent1"/>
-              </a:buClr>
-              <a:buSzPts val="2200"/>
-              <a:buFont typeface="Noto Sans Symbols"/>
-              <a:buNone/>
-            </a:pPr>
-            <a:r>
-              <a:rPr b="0" i="0" lang="en-GB" sz="2200" u="none" cap="none" strike="noStrike">
-                <a:solidFill>
-                  <a:srgbClr val="2791A6"/>
-                </a:solidFill>
-                <a:latin typeface="Corbel"/>
-                <a:ea typeface="Corbel"/>
-                <a:cs typeface="Corbel"/>
-                <a:sym typeface="Corbel"/>
-              </a:rPr>
-              <a:t>3. Grade</a:t>
-            </a:r>
-            <a:endParaRPr/>
-          </a:p>
-          <a:p>
-            <a:pPr indent="0" lvl="0" marL="0" marR="0" rtl="0" algn="l">
-              <a:lnSpc>
-                <a:spcPct val="90000"/>
-              </a:lnSpc>
-              <a:spcBef>
-                <a:spcPts val="1200"/>
-              </a:spcBef>
-              <a:spcAft>
-                <a:spcPts val="0"/>
-              </a:spcAft>
-              <a:buClr>
-                <a:schemeClr val="accent1"/>
-              </a:buClr>
-              <a:buSzPts val="2200"/>
-              <a:buFont typeface="Noto Sans Symbols"/>
-              <a:buNone/>
-            </a:pPr>
-            <a:r>
-              <a:rPr b="0" i="0" lang="en-GB" sz="2200" u="none" cap="none" strike="noStrike">
-                <a:solidFill>
-                  <a:srgbClr val="2791A6"/>
-                </a:solidFill>
-                <a:latin typeface="Corbel"/>
-                <a:ea typeface="Corbel"/>
-                <a:cs typeface="Corbel"/>
-                <a:sym typeface="Corbel"/>
-              </a:rPr>
-              <a:t>4. Term</a:t>
-            </a:r>
-            <a:endParaRPr b="0" i="0" sz="2200" u="none" cap="none" strike="noStrike">
+            <a:endParaRPr sz="1700">
               <a:solidFill>
-                <a:srgbClr val="2791A6"/>
+                <a:schemeClr val="dk1"/>
               </a:solidFill>
-              <a:latin typeface="Corbel"/>
-              <a:ea typeface="Corbel"/>
-              <a:cs typeface="Corbel"/>
-              <a:sym typeface="Corbel"/>
             </a:endParaRPr>
           </a:p>
           <a:p>
-            <a:pPr indent="0" lvl="0" marL="0" marR="0" rtl="0" algn="l">
-              <a:lnSpc>
-                <a:spcPct val="90000"/>
-              </a:lnSpc>
-              <a:spcBef>
-                <a:spcPts val="1200"/>
+            <a:pPr indent="-336550" lvl="0" marL="457200" rtl="0" algn="l">
+              <a:lnSpc>
+                <a:spcPct val="140000"/>
+              </a:lnSpc>
+              <a:spcBef>
+                <a:spcPts val="0"/>
               </a:spcBef>
               <a:spcAft>
                 <a:spcPts val="0"/>
               </a:spcAft>
               <a:buClr>
-                <a:schemeClr val="accent1"/>
+                <a:schemeClr val="dk1"/>
               </a:buClr>
-              <a:buSzPts val="2200"/>
-              <a:buFont typeface="Noto Sans Symbols"/>
-              <a:buNone/>
+              <a:buSzPts val="1700"/>
+              <a:buAutoNum type="arabicPeriod"/>
             </a:pPr>
             <a:r>
-              <a:rPr lang="en-GB" sz="2200">
+              <a:rPr lang="en-GB" sz="1700">
                 <a:solidFill>
-                  <a:srgbClr val="2791A6"/>
+                  <a:schemeClr val="dk1"/>
                 </a:solidFill>
-                <a:latin typeface="Corbel"/>
-                <a:ea typeface="Corbel"/>
-                <a:cs typeface="Corbel"/>
-                <a:sym typeface="Corbel"/>
               </a:rPr>
-              <a:t>5. DTI (Debt to income ratio)</a:t>
+              <a:t> Higher DTI (debt to income ratio) suggests higher chance of default.</a:t>
             </a:r>
-            <a:endParaRPr sz="2200">
+            <a:endParaRPr sz="1700">
               <a:solidFill>
-                <a:srgbClr val="2791A6"/>
+                <a:schemeClr val="dk1"/>
               </a:solidFill>
-              <a:latin typeface="Corbel"/>
-              <a:ea typeface="Corbel"/>
-              <a:cs typeface="Corbel"/>
-              <a:sym typeface="Corbel"/>
+            </a:endParaRPr>
+          </a:p>
+          <a:p>
+            <a:pPr indent="-336550" lvl="0" marL="457200" rtl="0" algn="l">
+              <a:lnSpc>
+                <a:spcPct val="140000"/>
+              </a:lnSpc>
+              <a:spcBef>
+                <a:spcPts val="0"/>
+              </a:spcBef>
+              <a:spcAft>
+                <a:spcPts val="0"/>
+              </a:spcAft>
+              <a:buClr>
+                <a:schemeClr val="dk1"/>
+              </a:buClr>
+              <a:buSzPts val="1700"/>
+              <a:buAutoNum type="arabicPeriod"/>
+            </a:pPr>
+            <a:r>
+              <a:rPr lang="en-GB" sz="1700">
+                <a:solidFill>
+                  <a:schemeClr val="dk1"/>
+                </a:solidFill>
+              </a:rPr>
+              <a:t> There is an increased chance of default when purpose is small_business</a:t>
+            </a:r>
+            <a:endParaRPr sz="1700">
+              <a:solidFill>
+                <a:schemeClr val="dk1"/>
+              </a:solidFill>
+            </a:endParaRPr>
+          </a:p>
+          <a:p>
+            <a:pPr indent="-336550" lvl="0" marL="457200" rtl="0" algn="l">
+              <a:lnSpc>
+                <a:spcPct val="140000"/>
+              </a:lnSpc>
+              <a:spcBef>
+                <a:spcPts val="0"/>
+              </a:spcBef>
+              <a:spcAft>
+                <a:spcPts val="0"/>
+              </a:spcAft>
+              <a:buClr>
+                <a:schemeClr val="dk1"/>
+              </a:buClr>
+              <a:buSzPts val="1700"/>
+              <a:buAutoNum type="arabicPeriod"/>
+            </a:pPr>
+            <a:r>
+              <a:rPr lang="en-GB" sz="1700">
+                <a:solidFill>
+                  <a:schemeClr val="dk1"/>
+                </a:solidFill>
+              </a:rPr>
+              <a:t> Higher loan amount results in higher chance of default, except when purpose is moving, house or renewable energy</a:t>
+            </a:r>
+            <a:endParaRPr sz="1700">
+              <a:solidFill>
+                <a:schemeClr val="dk1"/>
+              </a:solidFill>
+            </a:endParaRPr>
+          </a:p>
+          <a:p>
+            <a:pPr indent="-336550" lvl="0" marL="457200" rtl="0" algn="l">
+              <a:lnSpc>
+                <a:spcPct val="140000"/>
+              </a:lnSpc>
+              <a:spcBef>
+                <a:spcPts val="0"/>
+              </a:spcBef>
+              <a:spcAft>
+                <a:spcPts val="0"/>
+              </a:spcAft>
+              <a:buClr>
+                <a:schemeClr val="dk1"/>
+              </a:buClr>
+              <a:buSzPts val="1700"/>
+              <a:buAutoNum type="arabicPeriod"/>
+            </a:pPr>
+            <a:r>
+              <a:rPr lang="en-GB" sz="1700">
+                <a:solidFill>
+                  <a:schemeClr val="dk1"/>
+                </a:solidFill>
+              </a:rPr>
+              <a:t>Above annual income of about 90,000 there is a high chance that the loan will be paid off.</a:t>
+            </a:r>
+            <a:endParaRPr sz="1700">
+              <a:solidFill>
+                <a:schemeClr val="dk1"/>
+              </a:solidFill>
+            </a:endParaRPr>
+          </a:p>
+          <a:p>
+            <a:pPr indent="-336550" lvl="0" marL="457200" rtl="0" algn="l">
+              <a:lnSpc>
+                <a:spcPct val="140000"/>
+              </a:lnSpc>
+              <a:spcBef>
+                <a:spcPts val="0"/>
+              </a:spcBef>
+              <a:spcAft>
+                <a:spcPts val="0"/>
+              </a:spcAft>
+              <a:buClr>
+                <a:schemeClr val="dk1"/>
+              </a:buClr>
+              <a:buSzPts val="1700"/>
+              <a:buAutoNum type="arabicPeriod"/>
+            </a:pPr>
+            <a:r>
+              <a:rPr lang="en-GB" sz="1700">
+                <a:solidFill>
+                  <a:schemeClr val="dk1"/>
+                </a:solidFill>
+              </a:rPr>
+              <a:t> There is a good chance of loan repayment when the loan amount is higher than 28000.</a:t>
+            </a:r>
+            <a:endParaRPr sz="1700">
+              <a:solidFill>
+                <a:schemeClr val="dk1"/>
+              </a:solidFill>
+            </a:endParaRPr>
+          </a:p>
+          <a:p>
+            <a:pPr indent="-336550" lvl="0" marL="457200" rtl="0" algn="l">
+              <a:lnSpc>
+                <a:spcPct val="140000"/>
+              </a:lnSpc>
+              <a:spcBef>
+                <a:spcPts val="0"/>
+              </a:spcBef>
+              <a:spcAft>
+                <a:spcPts val="0"/>
+              </a:spcAft>
+              <a:buClr>
+                <a:schemeClr val="dk1"/>
+              </a:buClr>
+              <a:buSzPts val="1700"/>
+              <a:buAutoNum type="arabicPeriod"/>
+            </a:pPr>
+            <a:r>
+              <a:rPr lang="en-GB" sz="1700">
+                <a:solidFill>
+                  <a:schemeClr val="dk1"/>
+                </a:solidFill>
+              </a:rPr>
+              <a:t> When purpose of loan is 'moving', sost number of defaults happen when loan is disbursed between May and September</a:t>
+            </a:r>
+            <a:endParaRPr sz="1700">
+              <a:solidFill>
+                <a:schemeClr val="dk1"/>
+              </a:solidFill>
+            </a:endParaRPr>
+          </a:p>
+          <a:p>
+            <a:pPr indent="0" lvl="0" marL="0" rtl="0" algn="l">
+              <a:lnSpc>
+                <a:spcPct val="80000"/>
+              </a:lnSpc>
+              <a:spcBef>
+                <a:spcPts val="1200"/>
+              </a:spcBef>
+              <a:spcAft>
+                <a:spcPts val="0"/>
+              </a:spcAft>
+              <a:buSzPts val="605"/>
+              <a:buNone/>
+            </a:pPr>
+            <a:r>
+              <a:t/>
+            </a:r>
+            <a:endParaRPr b="1" sz="1400">
+              <a:solidFill>
+                <a:schemeClr val="dk1"/>
+              </a:solidFill>
+            </a:endParaRPr>
+          </a:p>
+          <a:p>
+            <a:pPr indent="0" lvl="0" marL="0" rtl="0" algn="l">
+              <a:lnSpc>
+                <a:spcPct val="80000"/>
+              </a:lnSpc>
+              <a:spcBef>
+                <a:spcPts val="1200"/>
+              </a:spcBef>
+              <a:spcAft>
+                <a:spcPts val="0"/>
+              </a:spcAft>
+              <a:buClr>
+                <a:srgbClr val="000000"/>
+              </a:buClr>
+              <a:buSzPts val="1100"/>
+              <a:buFont typeface="Arial"/>
+              <a:buNone/>
+            </a:pPr>
+            <a:r>
+              <a:t/>
+            </a:r>
+            <a:endParaRPr sz="1400">
+              <a:solidFill>
+                <a:schemeClr val="dk1"/>
+              </a:solidFill>
             </a:endParaRPr>
           </a:p>
         </p:txBody>
